--- a/기획 발표.pptx
+++ b/기획 발표.pptx
@@ -9,6 +9,8 @@
     <p:sldId id="258" r:id="rId3"/>
     <p:sldId id="259" r:id="rId4"/>
     <p:sldId id="257" r:id="rId5"/>
+    <p:sldId id="260" r:id="rId6"/>
+    <p:sldId id="261" r:id="rId7"/>
   </p:sldIdLst>
   <p:sldSz cx="9144000" cy="6858000" type="screen4x3"/>
   <p:notesSz cx="6858000" cy="9144000"/>
@@ -307,7 +309,7 @@
           <a:p>
             <a:fld id="{BEA0ED70-DD39-4C6F-94A6-DFEF1955D24C}" type="datetimeFigureOut">
               <a:rPr lang="ko-KR" altLang="en-US" smtClean="0"/>
-              <a:t>2018-04-24</a:t>
+              <a:t>2018-05-03</a:t>
             </a:fld>
             <a:endParaRPr lang="ko-KR" altLang="en-US"/>
           </a:p>
@@ -477,7 +479,7 @@
           <a:p>
             <a:fld id="{BEA0ED70-DD39-4C6F-94A6-DFEF1955D24C}" type="datetimeFigureOut">
               <a:rPr lang="ko-KR" altLang="en-US" smtClean="0"/>
-              <a:t>2018-04-24</a:t>
+              <a:t>2018-05-03</a:t>
             </a:fld>
             <a:endParaRPr lang="ko-KR" altLang="en-US"/>
           </a:p>
@@ -657,7 +659,7 @@
           <a:p>
             <a:fld id="{BEA0ED70-DD39-4C6F-94A6-DFEF1955D24C}" type="datetimeFigureOut">
               <a:rPr lang="ko-KR" altLang="en-US" smtClean="0"/>
-              <a:t>2018-04-24</a:t>
+              <a:t>2018-05-03</a:t>
             </a:fld>
             <a:endParaRPr lang="ko-KR" altLang="en-US"/>
           </a:p>
@@ -827,7 +829,7 @@
           <a:p>
             <a:fld id="{BEA0ED70-DD39-4C6F-94A6-DFEF1955D24C}" type="datetimeFigureOut">
               <a:rPr lang="ko-KR" altLang="en-US" smtClean="0"/>
-              <a:t>2018-04-24</a:t>
+              <a:t>2018-05-03</a:t>
             </a:fld>
             <a:endParaRPr lang="ko-KR" altLang="en-US"/>
           </a:p>
@@ -1073,7 +1075,7 @@
           <a:p>
             <a:fld id="{BEA0ED70-DD39-4C6F-94A6-DFEF1955D24C}" type="datetimeFigureOut">
               <a:rPr lang="ko-KR" altLang="en-US" smtClean="0"/>
-              <a:t>2018-04-24</a:t>
+              <a:t>2018-05-03</a:t>
             </a:fld>
             <a:endParaRPr lang="ko-KR" altLang="en-US"/>
           </a:p>
@@ -1361,7 +1363,7 @@
           <a:p>
             <a:fld id="{BEA0ED70-DD39-4C6F-94A6-DFEF1955D24C}" type="datetimeFigureOut">
               <a:rPr lang="ko-KR" altLang="en-US" smtClean="0"/>
-              <a:t>2018-04-24</a:t>
+              <a:t>2018-05-03</a:t>
             </a:fld>
             <a:endParaRPr lang="ko-KR" altLang="en-US"/>
           </a:p>
@@ -1783,7 +1785,7 @@
           <a:p>
             <a:fld id="{BEA0ED70-DD39-4C6F-94A6-DFEF1955D24C}" type="datetimeFigureOut">
               <a:rPr lang="ko-KR" altLang="en-US" smtClean="0"/>
-              <a:t>2018-04-24</a:t>
+              <a:t>2018-05-03</a:t>
             </a:fld>
             <a:endParaRPr lang="ko-KR" altLang="en-US"/>
           </a:p>
@@ -1901,7 +1903,7 @@
           <a:p>
             <a:fld id="{BEA0ED70-DD39-4C6F-94A6-DFEF1955D24C}" type="datetimeFigureOut">
               <a:rPr lang="ko-KR" altLang="en-US" smtClean="0"/>
-              <a:t>2018-04-24</a:t>
+              <a:t>2018-05-03</a:t>
             </a:fld>
             <a:endParaRPr lang="ko-KR" altLang="en-US"/>
           </a:p>
@@ -1996,7 +1998,7 @@
           <a:p>
             <a:fld id="{BEA0ED70-DD39-4C6F-94A6-DFEF1955D24C}" type="datetimeFigureOut">
               <a:rPr lang="ko-KR" altLang="en-US" smtClean="0"/>
-              <a:t>2018-04-24</a:t>
+              <a:t>2018-05-03</a:t>
             </a:fld>
             <a:endParaRPr lang="ko-KR" altLang="en-US"/>
           </a:p>
@@ -2273,7 +2275,7 @@
           <a:p>
             <a:fld id="{BEA0ED70-DD39-4C6F-94A6-DFEF1955D24C}" type="datetimeFigureOut">
               <a:rPr lang="ko-KR" altLang="en-US" smtClean="0"/>
-              <a:t>2018-04-24</a:t>
+              <a:t>2018-05-03</a:t>
             </a:fld>
             <a:endParaRPr lang="ko-KR" altLang="en-US"/>
           </a:p>
@@ -2526,7 +2528,7 @@
           <a:p>
             <a:fld id="{BEA0ED70-DD39-4C6F-94A6-DFEF1955D24C}" type="datetimeFigureOut">
               <a:rPr lang="ko-KR" altLang="en-US" smtClean="0"/>
-              <a:t>2018-04-24</a:t>
+              <a:t>2018-05-03</a:t>
             </a:fld>
             <a:endParaRPr lang="ko-KR" altLang="en-US"/>
           </a:p>
@@ -2739,7 +2741,7 @@
           <a:p>
             <a:fld id="{BEA0ED70-DD39-4C6F-94A6-DFEF1955D24C}" type="datetimeFigureOut">
               <a:rPr lang="ko-KR" altLang="en-US" smtClean="0"/>
-              <a:t>2018-04-24</a:t>
+              <a:t>2018-05-03</a:t>
             </a:fld>
             <a:endParaRPr lang="ko-KR" altLang="en-US"/>
           </a:p>
@@ -4141,7 +4143,7 @@
         <p:spPr>
           <a:xfrm>
             <a:off x="4788024" y="2348880"/>
-            <a:ext cx="4256293" cy="3416320"/>
+            <a:ext cx="4256293" cy="3970318"/>
           </a:xfrm>
           <a:prstGeom prst="rect">
             <a:avLst/>
@@ -4235,6 +4237,20 @@
               <a:rPr lang="en-US" altLang="ko-KR" dirty="0" smtClean="0"/>
               <a:t>.</a:t>
             </a:r>
+          </a:p>
+          <a:p>
+            <a:endParaRPr lang="en-US" altLang="ko-KR" dirty="0"/>
+          </a:p>
+          <a:p>
+            <a:r>
+              <a:rPr lang="ko-KR" altLang="en-US" dirty="0" smtClean="0"/>
+              <a:t>가운데 상자는 스크롤 뷰로 구현한다</a:t>
+            </a:r>
+            <a:r>
+              <a:rPr lang="en-US" altLang="ko-KR" dirty="0" smtClean="0"/>
+              <a:t>.</a:t>
+            </a:r>
+            <a:endParaRPr lang="en-US" altLang="ko-KR" dirty="0" smtClean="0"/>
           </a:p>
         </p:txBody>
       </p:sp>
@@ -4557,6 +4573,759 @@
     <p:extLst>
       <p:ext uri="{BB962C8B-B14F-4D97-AF65-F5344CB8AC3E}">
         <p14:creationId xmlns:p14="http://schemas.microsoft.com/office/powerpoint/2010/main" val="1704590085"/>
+      </p:ext>
+    </p:extLst>
+  </p:cSld>
+  <p:clrMapOvr>
+    <a:masterClrMapping/>
+  </p:clrMapOvr>
+  <p:timing>
+    <p:tnLst>
+      <p:par>
+        <p:cTn id="1" dur="indefinite" restart="never" nodeType="tmRoot"/>
+      </p:par>
+    </p:tnLst>
+  </p:timing>
+</p:sld>
+</file>
+
+<file path=ppt/slides/slide5.xml><?xml version="1.0" encoding="utf-8"?>
+<p:sld xmlns:a="http://schemas.openxmlformats.org/drawingml/2006/main" xmlns:r="http://schemas.openxmlformats.org/officeDocument/2006/relationships" xmlns:p="http://schemas.openxmlformats.org/presentationml/2006/main">
+  <p:cSld>
+    <p:spTree>
+      <p:nvGrpSpPr>
+        <p:cNvPr id="1" name=""/>
+        <p:cNvGrpSpPr/>
+        <p:nvPr/>
+      </p:nvGrpSpPr>
+      <p:grpSpPr>
+        <a:xfrm>
+          <a:off x="0" y="0"/>
+          <a:ext cx="0" cy="0"/>
+          <a:chOff x="0" y="0"/>
+          <a:chExt cx="0" cy="0"/>
+        </a:xfrm>
+      </p:grpSpPr>
+      <p:sp>
+        <p:nvSpPr>
+          <p:cNvPr id="4" name="직사각형 3"/>
+          <p:cNvSpPr/>
+          <p:nvPr/>
+        </p:nvSpPr>
+        <p:spPr>
+          <a:xfrm>
+            <a:off x="0" y="-72008"/>
+            <a:ext cx="9144000" cy="692696"/>
+          </a:xfrm>
+          <a:prstGeom prst="rect">
+            <a:avLst/>
+          </a:prstGeom>
+          <a:solidFill>
+            <a:srgbClr val="92D050"/>
+          </a:solidFill>
+          <a:ln>
+            <a:noFill/>
+          </a:ln>
+        </p:spPr>
+        <p:style>
+          <a:lnRef idx="2">
+            <a:schemeClr val="accent1">
+              <a:shade val="50000"/>
+            </a:schemeClr>
+          </a:lnRef>
+          <a:fillRef idx="1">
+            <a:schemeClr val="accent1"/>
+          </a:fillRef>
+          <a:effectRef idx="0">
+            <a:schemeClr val="accent1"/>
+          </a:effectRef>
+          <a:fontRef idx="minor">
+            <a:schemeClr val="lt1"/>
+          </a:fontRef>
+        </p:style>
+        <p:txBody>
+          <a:bodyPr rtlCol="0" anchor="ctr"/>
+          <a:lstStyle/>
+          <a:p>
+            <a:r>
+              <a:rPr lang="ko-KR" altLang="en-US" sz="3200" dirty="0" smtClean="0"/>
+              <a:t> </a:t>
+            </a:r>
+            <a:r>
+              <a:rPr lang="en-US" altLang="ko-KR" sz="3200" dirty="0"/>
+              <a:t>2</a:t>
+            </a:r>
+            <a:r>
+              <a:rPr lang="ko-KR" altLang="en-US" sz="3200" dirty="0" smtClean="0"/>
+              <a:t>단계 </a:t>
+            </a:r>
+            <a:r>
+              <a:rPr lang="en-US" altLang="ko-KR" sz="3200" dirty="0" smtClean="0"/>
+              <a:t>: </a:t>
+            </a:r>
+            <a:r>
+              <a:rPr lang="ko-KR" altLang="en-US" sz="3200" dirty="0" smtClean="0"/>
+              <a:t>화면 설계서</a:t>
+            </a:r>
+            <a:r>
+              <a:rPr lang="en-US" altLang="ko-KR" sz="3200" dirty="0" smtClean="0"/>
+              <a:t>(</a:t>
+            </a:r>
+            <a:r>
+              <a:rPr lang="ko-KR" altLang="en-US" sz="3200" dirty="0" smtClean="0"/>
+              <a:t>스토리보드</a:t>
+            </a:r>
+            <a:r>
+              <a:rPr lang="en-US" altLang="ko-KR" sz="3200" dirty="0" smtClean="0"/>
+              <a:t>) </a:t>
+            </a:r>
+            <a:r>
+              <a:rPr lang="ko-KR" altLang="en-US" sz="3200" dirty="0" smtClean="0"/>
+              <a:t>작성</a:t>
+            </a:r>
+            <a:endParaRPr lang="ko-KR" altLang="en-US" sz="3200" dirty="0"/>
+          </a:p>
+        </p:txBody>
+      </p:sp>
+      <p:sp>
+        <p:nvSpPr>
+          <p:cNvPr id="5" name="직사각형 4"/>
+          <p:cNvSpPr/>
+          <p:nvPr/>
+        </p:nvSpPr>
+        <p:spPr>
+          <a:xfrm>
+            <a:off x="179512" y="764704"/>
+            <a:ext cx="4464496" cy="5904656"/>
+          </a:xfrm>
+          <a:prstGeom prst="rect">
+            <a:avLst/>
+          </a:prstGeom>
+          <a:solidFill>
+            <a:schemeClr val="bg1"/>
+          </a:solidFill>
+          <a:ln w="3175"/>
+        </p:spPr>
+        <p:style>
+          <a:lnRef idx="2">
+            <a:schemeClr val="accent1">
+              <a:shade val="50000"/>
+            </a:schemeClr>
+          </a:lnRef>
+          <a:fillRef idx="1">
+            <a:schemeClr val="accent1"/>
+          </a:fillRef>
+          <a:effectRef idx="0">
+            <a:schemeClr val="accent1"/>
+          </a:effectRef>
+          <a:fontRef idx="minor">
+            <a:schemeClr val="lt1"/>
+          </a:fontRef>
+        </p:style>
+        <p:txBody>
+          <a:bodyPr rtlCol="0" anchor="ctr"/>
+          <a:lstStyle/>
+          <a:p>
+            <a:pPr algn="ctr"/>
+            <a:r>
+              <a:rPr lang="ko-KR" altLang="en-US" dirty="0" smtClean="0">
+                <a:solidFill>
+                  <a:schemeClr val="tx1"/>
+                </a:solidFill>
+              </a:rPr>
+              <a:t>화면 이미지</a:t>
+            </a:r>
+            <a:endParaRPr lang="ko-KR" altLang="en-US" dirty="0">
+              <a:solidFill>
+                <a:schemeClr val="tx1"/>
+              </a:solidFill>
+            </a:endParaRPr>
+          </a:p>
+        </p:txBody>
+      </p:sp>
+      <p:sp>
+        <p:nvSpPr>
+          <p:cNvPr id="6" name="TextBox 5"/>
+          <p:cNvSpPr txBox="1"/>
+          <p:nvPr/>
+        </p:nvSpPr>
+        <p:spPr>
+          <a:xfrm>
+            <a:off x="5076056" y="796062"/>
+            <a:ext cx="3672408" cy="369332"/>
+          </a:xfrm>
+          <a:prstGeom prst="rect">
+            <a:avLst/>
+          </a:prstGeom>
+          <a:solidFill>
+            <a:srgbClr val="FFC000"/>
+          </a:solidFill>
+          <a:ln>
+            <a:noFill/>
+          </a:ln>
+        </p:spPr>
+        <p:txBody>
+          <a:bodyPr wrap="square" rtlCol="0">
+            <a:spAutoFit/>
+          </a:bodyPr>
+          <a:lstStyle/>
+          <a:p>
+            <a:r>
+              <a:rPr lang="ko-KR" altLang="en-US" dirty="0" smtClean="0"/>
+              <a:t>화면 상세 설명</a:t>
+            </a:r>
+            <a:r>
+              <a:rPr lang="en-US" altLang="ko-KR" dirty="0" smtClean="0"/>
+              <a:t>(</a:t>
+            </a:r>
+            <a:r>
+              <a:rPr lang="ko-KR" altLang="en-US" dirty="0" smtClean="0"/>
+              <a:t>구성 요소 및 동작</a:t>
+            </a:r>
+            <a:r>
+              <a:rPr lang="en-US" altLang="ko-KR" dirty="0" smtClean="0"/>
+              <a:t>)</a:t>
+            </a:r>
+            <a:r>
+              <a:rPr lang="ko-KR" altLang="en-US" dirty="0" smtClean="0"/>
+              <a:t> </a:t>
+            </a:r>
+            <a:endParaRPr lang="ko-KR" altLang="en-US" dirty="0"/>
+          </a:p>
+        </p:txBody>
+      </p:sp>
+      <p:pic>
+        <p:nvPicPr>
+          <p:cNvPr id="7" name="그림 6"/>
+          <p:cNvPicPr>
+            <a:picLocks noChangeAspect="1"/>
+          </p:cNvPicPr>
+          <p:nvPr/>
+        </p:nvPicPr>
+        <p:blipFill>
+          <a:blip r:embed="rId2" cstate="print">
+            <a:extLst>
+              <a:ext uri="{28A0092B-C50C-407E-A947-70E740481C1C}">
+                <a14:useLocalDpi xmlns:a14="http://schemas.microsoft.com/office/drawing/2010/main" val="0"/>
+              </a:ext>
+            </a:extLst>
+          </a:blip>
+          <a:stretch>
+            <a:fillRect/>
+          </a:stretch>
+        </p:blipFill>
+        <p:spPr>
+          <a:xfrm>
+            <a:off x="7812360" y="-139645"/>
+            <a:ext cx="1471946" cy="827970"/>
+          </a:xfrm>
+          <a:prstGeom prst="rect">
+            <a:avLst/>
+          </a:prstGeom>
+        </p:spPr>
+      </p:pic>
+      <p:pic>
+        <p:nvPicPr>
+          <p:cNvPr id="8" name="그림 7"/>
+          <p:cNvPicPr>
+            <a:picLocks noChangeAspect="1"/>
+          </p:cNvPicPr>
+          <p:nvPr/>
+        </p:nvPicPr>
+        <p:blipFill>
+          <a:blip r:embed="rId3">
+            <a:extLst>
+              <a:ext uri="{28A0092B-C50C-407E-A947-70E740481C1C}">
+                <a14:useLocalDpi xmlns:a14="http://schemas.microsoft.com/office/drawing/2010/main" val="0"/>
+              </a:ext>
+            </a:extLst>
+          </a:blip>
+          <a:stretch>
+            <a:fillRect/>
+          </a:stretch>
+        </p:blipFill>
+        <p:spPr>
+          <a:xfrm>
+            <a:off x="800708" y="980728"/>
+            <a:ext cx="3222104" cy="4833156"/>
+          </a:xfrm>
+          <a:prstGeom prst="rect">
+            <a:avLst/>
+          </a:prstGeom>
+        </p:spPr>
+      </p:pic>
+      <p:sp>
+        <p:nvSpPr>
+          <p:cNvPr id="9" name="TextBox 8"/>
+          <p:cNvSpPr txBox="1"/>
+          <p:nvPr/>
+        </p:nvSpPr>
+        <p:spPr>
+          <a:xfrm>
+            <a:off x="4831569" y="1556792"/>
+            <a:ext cx="4419800" cy="2862322"/>
+          </a:xfrm>
+          <a:prstGeom prst="rect">
+            <a:avLst/>
+          </a:prstGeom>
+          <a:noFill/>
+        </p:spPr>
+        <p:txBody>
+          <a:bodyPr wrap="none" rtlCol="0">
+            <a:spAutoFit/>
+          </a:bodyPr>
+          <a:lstStyle/>
+          <a:p>
+            <a:r>
+              <a:rPr lang="ko-KR" altLang="en-US" dirty="0" smtClean="0"/>
+              <a:t>어떤 메일이 왔는지 리스트를 볼 수 있다</a:t>
+            </a:r>
+            <a:r>
+              <a:rPr lang="en-US" altLang="ko-KR" dirty="0" smtClean="0"/>
+              <a:t>.</a:t>
+            </a:r>
+          </a:p>
+          <a:p>
+            <a:endParaRPr lang="en-US" altLang="ko-KR" dirty="0"/>
+          </a:p>
+          <a:p>
+            <a:r>
+              <a:rPr lang="ko-KR" altLang="en-US" dirty="0" smtClean="0"/>
+              <a:t>메일 제목은 번역되어서 나타난다</a:t>
+            </a:r>
+            <a:r>
+              <a:rPr lang="en-US" altLang="ko-KR" dirty="0" smtClean="0"/>
+              <a:t>.</a:t>
+            </a:r>
+          </a:p>
+          <a:p>
+            <a:endParaRPr lang="en-US" altLang="ko-KR" dirty="0"/>
+          </a:p>
+          <a:p>
+            <a:r>
+              <a:rPr lang="ko-KR" altLang="en-US" dirty="0" smtClean="0"/>
+              <a:t>상세한 내용을 이 앱에서 볼 수 없다</a:t>
+            </a:r>
+            <a:r>
+              <a:rPr lang="en-US" altLang="ko-KR" dirty="0" smtClean="0"/>
+              <a:t>.</a:t>
+            </a:r>
+          </a:p>
+          <a:p>
+            <a:endParaRPr lang="en-US" altLang="ko-KR" dirty="0"/>
+          </a:p>
+          <a:p>
+            <a:r>
+              <a:rPr lang="ko-KR" altLang="en-US" dirty="0" smtClean="0"/>
+              <a:t>메일은 도착한 순서대로 나타나며 </a:t>
+            </a:r>
+            <a:endParaRPr lang="en-US" altLang="ko-KR" dirty="0" smtClean="0"/>
+          </a:p>
+          <a:p>
+            <a:r>
+              <a:rPr lang="ko-KR" altLang="en-US" dirty="0" smtClean="0"/>
+              <a:t>상단에 있는 내용이 가장 최근 것이다</a:t>
+            </a:r>
+            <a:r>
+              <a:rPr lang="en-US" altLang="ko-KR" dirty="0" smtClean="0"/>
+              <a:t>.</a:t>
+            </a:r>
+          </a:p>
+          <a:p>
+            <a:endParaRPr lang="en-US" altLang="ko-KR" dirty="0"/>
+          </a:p>
+          <a:p>
+            <a:r>
+              <a:rPr lang="ko-KR" altLang="en-US" dirty="0" smtClean="0"/>
+              <a:t>리스트 뷰로 구현한다</a:t>
+            </a:r>
+            <a:r>
+              <a:rPr lang="en-US" altLang="ko-KR" dirty="0" smtClean="0"/>
+              <a:t>.</a:t>
+            </a:r>
+            <a:endParaRPr lang="ko-KR" altLang="en-US" dirty="0"/>
+          </a:p>
+        </p:txBody>
+      </p:sp>
+    </p:spTree>
+    <p:extLst>
+      <p:ext uri="{BB962C8B-B14F-4D97-AF65-F5344CB8AC3E}">
+        <p14:creationId xmlns:p14="http://schemas.microsoft.com/office/powerpoint/2010/main" val="3562580214"/>
+      </p:ext>
+    </p:extLst>
+  </p:cSld>
+  <p:clrMapOvr>
+    <a:masterClrMapping/>
+  </p:clrMapOvr>
+  <p:timing>
+    <p:tnLst>
+      <p:par>
+        <p:cTn id="1" dur="indefinite" restart="never" nodeType="tmRoot"/>
+      </p:par>
+    </p:tnLst>
+  </p:timing>
+</p:sld>
+</file>
+
+<file path=ppt/slides/slide6.xml><?xml version="1.0" encoding="utf-8"?>
+<p:sld xmlns:a="http://schemas.openxmlformats.org/drawingml/2006/main" xmlns:r="http://schemas.openxmlformats.org/officeDocument/2006/relationships" xmlns:p="http://schemas.openxmlformats.org/presentationml/2006/main">
+  <p:cSld>
+    <p:spTree>
+      <p:nvGrpSpPr>
+        <p:cNvPr id="1" name=""/>
+        <p:cNvGrpSpPr/>
+        <p:nvPr/>
+      </p:nvGrpSpPr>
+      <p:grpSpPr>
+        <a:xfrm>
+          <a:off x="0" y="0"/>
+          <a:ext cx="0" cy="0"/>
+          <a:chOff x="0" y="0"/>
+          <a:chExt cx="0" cy="0"/>
+        </a:xfrm>
+      </p:grpSpPr>
+      <p:sp>
+        <p:nvSpPr>
+          <p:cNvPr id="4" name="직사각형 3"/>
+          <p:cNvSpPr/>
+          <p:nvPr/>
+        </p:nvSpPr>
+        <p:spPr>
+          <a:xfrm>
+            <a:off x="0" y="-72008"/>
+            <a:ext cx="9144000" cy="692696"/>
+          </a:xfrm>
+          <a:prstGeom prst="rect">
+            <a:avLst/>
+          </a:prstGeom>
+          <a:solidFill>
+            <a:srgbClr val="92D050"/>
+          </a:solidFill>
+          <a:ln>
+            <a:noFill/>
+          </a:ln>
+        </p:spPr>
+        <p:style>
+          <a:lnRef idx="2">
+            <a:schemeClr val="accent1">
+              <a:shade val="50000"/>
+            </a:schemeClr>
+          </a:lnRef>
+          <a:fillRef idx="1">
+            <a:schemeClr val="accent1"/>
+          </a:fillRef>
+          <a:effectRef idx="0">
+            <a:schemeClr val="accent1"/>
+          </a:effectRef>
+          <a:fontRef idx="minor">
+            <a:schemeClr val="lt1"/>
+          </a:fontRef>
+        </p:style>
+        <p:txBody>
+          <a:bodyPr rtlCol="0" anchor="ctr"/>
+          <a:lstStyle/>
+          <a:p>
+            <a:r>
+              <a:rPr lang="ko-KR" altLang="en-US" sz="3200" dirty="0" smtClean="0"/>
+              <a:t> </a:t>
+            </a:r>
+            <a:r>
+              <a:rPr lang="en-US" altLang="ko-KR" sz="3200" dirty="0"/>
+              <a:t>2</a:t>
+            </a:r>
+            <a:r>
+              <a:rPr lang="ko-KR" altLang="en-US" sz="3200" dirty="0" smtClean="0"/>
+              <a:t>단계 </a:t>
+            </a:r>
+            <a:r>
+              <a:rPr lang="en-US" altLang="ko-KR" sz="3200" dirty="0" smtClean="0"/>
+              <a:t>: </a:t>
+            </a:r>
+            <a:r>
+              <a:rPr lang="ko-KR" altLang="en-US" sz="3200" dirty="0" smtClean="0"/>
+              <a:t>화면 설계서</a:t>
+            </a:r>
+            <a:r>
+              <a:rPr lang="en-US" altLang="ko-KR" sz="3200" dirty="0" smtClean="0"/>
+              <a:t>(</a:t>
+            </a:r>
+            <a:r>
+              <a:rPr lang="ko-KR" altLang="en-US" sz="3200" dirty="0" smtClean="0"/>
+              <a:t>스토리보드</a:t>
+            </a:r>
+            <a:r>
+              <a:rPr lang="en-US" altLang="ko-KR" sz="3200" dirty="0" smtClean="0"/>
+              <a:t>) </a:t>
+            </a:r>
+            <a:r>
+              <a:rPr lang="ko-KR" altLang="en-US" sz="3200" dirty="0" smtClean="0"/>
+              <a:t>작성</a:t>
+            </a:r>
+            <a:endParaRPr lang="ko-KR" altLang="en-US" sz="3200" dirty="0"/>
+          </a:p>
+        </p:txBody>
+      </p:sp>
+      <p:sp>
+        <p:nvSpPr>
+          <p:cNvPr id="5" name="직사각형 4"/>
+          <p:cNvSpPr/>
+          <p:nvPr/>
+        </p:nvSpPr>
+        <p:spPr>
+          <a:xfrm>
+            <a:off x="179512" y="764704"/>
+            <a:ext cx="4464496" cy="5904656"/>
+          </a:xfrm>
+          <a:prstGeom prst="rect">
+            <a:avLst/>
+          </a:prstGeom>
+          <a:solidFill>
+            <a:schemeClr val="bg1"/>
+          </a:solidFill>
+          <a:ln w="3175"/>
+        </p:spPr>
+        <p:style>
+          <a:lnRef idx="2">
+            <a:schemeClr val="accent1">
+              <a:shade val="50000"/>
+            </a:schemeClr>
+          </a:lnRef>
+          <a:fillRef idx="1">
+            <a:schemeClr val="accent1"/>
+          </a:fillRef>
+          <a:effectRef idx="0">
+            <a:schemeClr val="accent1"/>
+          </a:effectRef>
+          <a:fontRef idx="minor">
+            <a:schemeClr val="lt1"/>
+          </a:fontRef>
+        </p:style>
+        <p:txBody>
+          <a:bodyPr rtlCol="0" anchor="ctr"/>
+          <a:lstStyle/>
+          <a:p>
+            <a:pPr algn="ctr"/>
+            <a:r>
+              <a:rPr lang="ko-KR" altLang="en-US" dirty="0" smtClean="0">
+                <a:solidFill>
+                  <a:schemeClr val="tx1"/>
+                </a:solidFill>
+              </a:rPr>
+              <a:t>화면 이미지</a:t>
+            </a:r>
+            <a:endParaRPr lang="ko-KR" altLang="en-US" dirty="0">
+              <a:solidFill>
+                <a:schemeClr val="tx1"/>
+              </a:solidFill>
+            </a:endParaRPr>
+          </a:p>
+        </p:txBody>
+      </p:sp>
+      <p:sp>
+        <p:nvSpPr>
+          <p:cNvPr id="6" name="TextBox 5"/>
+          <p:cNvSpPr txBox="1"/>
+          <p:nvPr/>
+        </p:nvSpPr>
+        <p:spPr>
+          <a:xfrm>
+            <a:off x="5076056" y="796062"/>
+            <a:ext cx="3672408" cy="369332"/>
+          </a:xfrm>
+          <a:prstGeom prst="rect">
+            <a:avLst/>
+          </a:prstGeom>
+          <a:solidFill>
+            <a:srgbClr val="FFC000"/>
+          </a:solidFill>
+          <a:ln>
+            <a:noFill/>
+          </a:ln>
+        </p:spPr>
+        <p:txBody>
+          <a:bodyPr wrap="square" rtlCol="0">
+            <a:spAutoFit/>
+          </a:bodyPr>
+          <a:lstStyle/>
+          <a:p>
+            <a:r>
+              <a:rPr lang="ko-KR" altLang="en-US" dirty="0" smtClean="0"/>
+              <a:t>화면 상세 설명</a:t>
+            </a:r>
+            <a:r>
+              <a:rPr lang="en-US" altLang="ko-KR" dirty="0" smtClean="0"/>
+              <a:t>(</a:t>
+            </a:r>
+            <a:r>
+              <a:rPr lang="ko-KR" altLang="en-US" dirty="0" smtClean="0"/>
+              <a:t>구성 요소 및 동작</a:t>
+            </a:r>
+            <a:r>
+              <a:rPr lang="en-US" altLang="ko-KR" dirty="0" smtClean="0"/>
+              <a:t>)</a:t>
+            </a:r>
+            <a:r>
+              <a:rPr lang="ko-KR" altLang="en-US" dirty="0" smtClean="0"/>
+              <a:t> </a:t>
+            </a:r>
+            <a:endParaRPr lang="ko-KR" altLang="en-US" dirty="0"/>
+          </a:p>
+        </p:txBody>
+      </p:sp>
+      <p:pic>
+        <p:nvPicPr>
+          <p:cNvPr id="7" name="그림 6"/>
+          <p:cNvPicPr>
+            <a:picLocks noChangeAspect="1"/>
+          </p:cNvPicPr>
+          <p:nvPr/>
+        </p:nvPicPr>
+        <p:blipFill>
+          <a:blip r:embed="rId2" cstate="print">
+            <a:extLst>
+              <a:ext uri="{28A0092B-C50C-407E-A947-70E740481C1C}">
+                <a14:useLocalDpi xmlns:a14="http://schemas.microsoft.com/office/drawing/2010/main" val="0"/>
+              </a:ext>
+            </a:extLst>
+          </a:blip>
+          <a:stretch>
+            <a:fillRect/>
+          </a:stretch>
+        </p:blipFill>
+        <p:spPr>
+          <a:xfrm>
+            <a:off x="7812360" y="-139645"/>
+            <a:ext cx="1471946" cy="827970"/>
+          </a:xfrm>
+          <a:prstGeom prst="rect">
+            <a:avLst/>
+          </a:prstGeom>
+        </p:spPr>
+      </p:pic>
+      <p:pic>
+        <p:nvPicPr>
+          <p:cNvPr id="9" name="그림 8"/>
+          <p:cNvPicPr>
+            <a:picLocks noChangeAspect="1"/>
+          </p:cNvPicPr>
+          <p:nvPr/>
+        </p:nvPicPr>
+        <p:blipFill>
+          <a:blip r:embed="rId3" cstate="print">
+            <a:extLst>
+              <a:ext uri="{28A0092B-C50C-407E-A947-70E740481C1C}">
+                <a14:useLocalDpi xmlns:a14="http://schemas.microsoft.com/office/drawing/2010/main" val="0"/>
+              </a:ext>
+            </a:extLst>
+          </a:blip>
+          <a:stretch>
+            <a:fillRect/>
+          </a:stretch>
+        </p:blipFill>
+        <p:spPr>
+          <a:xfrm>
+            <a:off x="1451062" y="3236683"/>
+            <a:ext cx="1921396" cy="960698"/>
+          </a:xfrm>
+          <a:prstGeom prst="rect">
+            <a:avLst/>
+          </a:prstGeom>
+        </p:spPr>
+      </p:pic>
+      <p:sp>
+        <p:nvSpPr>
+          <p:cNvPr id="10" name="TextBox 9"/>
+          <p:cNvSpPr txBox="1"/>
+          <p:nvPr/>
+        </p:nvSpPr>
+        <p:spPr>
+          <a:xfrm>
+            <a:off x="4797180" y="2060848"/>
+            <a:ext cx="4025461" cy="1754326"/>
+          </a:xfrm>
+          <a:prstGeom prst="rect">
+            <a:avLst/>
+          </a:prstGeom>
+          <a:noFill/>
+        </p:spPr>
+        <p:txBody>
+          <a:bodyPr wrap="none" rtlCol="0">
+            <a:spAutoFit/>
+          </a:bodyPr>
+          <a:lstStyle/>
+          <a:p>
+            <a:r>
+              <a:rPr lang="ko-KR" altLang="en-US" dirty="0" smtClean="0"/>
+              <a:t>버튼을 누르면 </a:t>
+            </a:r>
+            <a:endParaRPr lang="en-US" altLang="ko-KR" dirty="0" smtClean="0"/>
+          </a:p>
+          <a:p>
+            <a:r>
+              <a:rPr lang="ko-KR" altLang="en-US" dirty="0" err="1" smtClean="0"/>
+              <a:t>랜덤한</a:t>
+            </a:r>
+            <a:r>
+              <a:rPr lang="ko-KR" altLang="en-US" dirty="0" smtClean="0"/>
+              <a:t> </a:t>
+            </a:r>
+            <a:r>
+              <a:rPr lang="ko-KR" altLang="en-US" dirty="0" err="1" smtClean="0"/>
+              <a:t>숫자값이</a:t>
+            </a:r>
+            <a:r>
+              <a:rPr lang="ko-KR" altLang="en-US" dirty="0" smtClean="0"/>
+              <a:t> 보내진다</a:t>
+            </a:r>
+            <a:r>
+              <a:rPr lang="en-US" altLang="ko-KR" dirty="0" smtClean="0"/>
+              <a:t>.</a:t>
+            </a:r>
+          </a:p>
+          <a:p>
+            <a:r>
+              <a:rPr lang="ko-KR" altLang="en-US" dirty="0" smtClean="0"/>
+              <a:t>그리고 바로 메인 화면으로 돌아온다</a:t>
+            </a:r>
+            <a:r>
+              <a:rPr lang="en-US" altLang="ko-KR" dirty="0" smtClean="0"/>
+              <a:t>.</a:t>
+            </a:r>
+          </a:p>
+          <a:p>
+            <a:endParaRPr lang="en-US" altLang="ko-KR" dirty="0"/>
+          </a:p>
+          <a:p>
+            <a:r>
+              <a:rPr lang="ko-KR" altLang="en-US" dirty="0" smtClean="0"/>
+              <a:t>숫자는 </a:t>
+            </a:r>
+            <a:r>
+              <a:rPr lang="ko-KR" altLang="en-US" dirty="0" err="1" smtClean="0"/>
+              <a:t>인텐트로</a:t>
+            </a:r>
+            <a:r>
+              <a:rPr lang="ko-KR" altLang="en-US" dirty="0" smtClean="0"/>
+              <a:t> 메인 화면에서</a:t>
+            </a:r>
+            <a:endParaRPr lang="en-US" altLang="ko-KR" dirty="0" smtClean="0"/>
+          </a:p>
+          <a:p>
+            <a:r>
+              <a:rPr lang="ko-KR" altLang="en-US" dirty="0" smtClean="0"/>
+              <a:t>토스트 메시지를 출력하게 한다</a:t>
+            </a:r>
+            <a:r>
+              <a:rPr lang="en-US" altLang="ko-KR" dirty="0" smtClean="0"/>
+              <a:t>.</a:t>
+            </a:r>
+          </a:p>
+        </p:txBody>
+      </p:sp>
+    </p:spTree>
+    <p:extLst>
+      <p:ext uri="{BB962C8B-B14F-4D97-AF65-F5344CB8AC3E}">
+        <p14:creationId xmlns:p14="http://schemas.microsoft.com/office/powerpoint/2010/main" val="1748850331"/>
       </p:ext>
     </p:extLst>
   </p:cSld>

--- a/기획 발표.pptx
+++ b/기획 발표.pptx
@@ -9,8 +9,8 @@
     <p:sldId id="258" r:id="rId3"/>
     <p:sldId id="259" r:id="rId4"/>
     <p:sldId id="257" r:id="rId5"/>
-    <p:sldId id="260" r:id="rId6"/>
-    <p:sldId id="261" r:id="rId7"/>
+    <p:sldId id="261" r:id="rId6"/>
+    <p:sldId id="262" r:id="rId7"/>
   </p:sldIdLst>
   <p:sldSz cx="9144000" cy="6858000" type="screen4x3"/>
   <p:notesSz cx="6858000" cy="9144000"/>
@@ -4826,14 +4826,14 @@
       </p:pic>
       <p:pic>
         <p:nvPicPr>
-          <p:cNvPr id="8" name="그림 7"/>
+          <p:cNvPr id="9" name="그림 8"/>
           <p:cNvPicPr>
             <a:picLocks noChangeAspect="1"/>
           </p:cNvPicPr>
           <p:nvPr/>
         </p:nvPicPr>
         <p:blipFill>
-          <a:blip r:embed="rId3">
+          <a:blip r:embed="rId3" cstate="print">
             <a:extLst>
               <a:ext uri="{28A0092B-C50C-407E-A947-70E740481C1C}">
                 <a14:useLocalDpi xmlns:a14="http://schemas.microsoft.com/office/drawing/2010/main" val="0"/>
@@ -4846,8 +4846,8 @@
         </p:blipFill>
         <p:spPr>
           <a:xfrm>
-            <a:off x="800708" y="980728"/>
-            <a:ext cx="3222104" cy="4833156"/>
+            <a:off x="1451062" y="3236683"/>
+            <a:ext cx="1921396" cy="960698"/>
           </a:xfrm>
           <a:prstGeom prst="rect">
             <a:avLst/>
@@ -4856,14 +4856,14 @@
       </p:pic>
       <p:sp>
         <p:nvSpPr>
-          <p:cNvPr id="9" name="TextBox 8"/>
+          <p:cNvPr id="10" name="TextBox 9"/>
           <p:cNvSpPr txBox="1"/>
           <p:nvPr/>
         </p:nvSpPr>
         <p:spPr>
           <a:xfrm>
-            <a:off x="4831569" y="1556792"/>
-            <a:ext cx="4419800" cy="2862322"/>
+            <a:off x="4797180" y="2060848"/>
+            <a:ext cx="4025461" cy="1754326"/>
           </a:xfrm>
           <a:prstGeom prst="rect">
             <a:avLst/>
@@ -4878,7 +4878,26 @@
           <a:p>
             <a:r>
               <a:rPr lang="ko-KR" altLang="en-US" dirty="0" smtClean="0"/>
-              <a:t>어떤 메일이 왔는지 리스트를 볼 수 있다</a:t>
+              <a:t>버튼을 누르면 </a:t>
+            </a:r>
+            <a:endParaRPr lang="en-US" altLang="ko-KR" dirty="0" smtClean="0"/>
+          </a:p>
+          <a:p>
+            <a:r>
+              <a:rPr lang="ko-KR" altLang="en-US" dirty="0" err="1" smtClean="0"/>
+              <a:t>랜덤한</a:t>
+            </a:r>
+            <a:r>
+              <a:rPr lang="ko-KR" altLang="en-US" dirty="0" smtClean="0"/>
+              <a:t> </a:t>
+            </a:r>
+            <a:r>
+              <a:rPr lang="ko-KR" altLang="en-US" dirty="0" err="1" smtClean="0"/>
+              <a:t>숫자값이</a:t>
+            </a:r>
+            <a:r>
+              <a:rPr lang="ko-KR" altLang="en-US" dirty="0" smtClean="0"/>
+              <a:t> 보내진다</a:t>
             </a:r>
             <a:r>
               <a:rPr lang="en-US" altLang="ko-KR" dirty="0" smtClean="0"/>
@@ -4886,12 +4905,9 @@
             </a:r>
           </a:p>
           <a:p>
-            <a:endParaRPr lang="en-US" altLang="ko-KR" dirty="0"/>
-          </a:p>
-          <a:p>
             <a:r>
               <a:rPr lang="ko-KR" altLang="en-US" dirty="0" smtClean="0"/>
-              <a:t>메일 제목은 번역되어서 나타난다</a:t>
+              <a:t>그리고 바로 메인 화면으로 돌아온다</a:t>
             </a:r>
             <a:r>
               <a:rPr lang="en-US" altLang="ko-KR" dirty="0" smtClean="0"/>
@@ -4904,53 +4920,34 @@
           <a:p>
             <a:r>
               <a:rPr lang="ko-KR" altLang="en-US" dirty="0" smtClean="0"/>
-              <a:t>상세한 내용을 이 앱에서 볼 수 없다</a:t>
+              <a:t>숫자는 </a:t>
+            </a:r>
+            <a:r>
+              <a:rPr lang="ko-KR" altLang="en-US" dirty="0" err="1" smtClean="0"/>
+              <a:t>인텐트로</a:t>
+            </a:r>
+            <a:r>
+              <a:rPr lang="ko-KR" altLang="en-US" dirty="0" smtClean="0"/>
+              <a:t> 메인 화면에서</a:t>
+            </a:r>
+            <a:endParaRPr lang="en-US" altLang="ko-KR" dirty="0" smtClean="0"/>
+          </a:p>
+          <a:p>
+            <a:r>
+              <a:rPr lang="ko-KR" altLang="en-US" dirty="0" smtClean="0"/>
+              <a:t>토스트 메시지를 출력하게 한다</a:t>
             </a:r>
             <a:r>
               <a:rPr lang="en-US" altLang="ko-KR" dirty="0" smtClean="0"/>
               <a:t>.</a:t>
             </a:r>
-          </a:p>
-          <a:p>
-            <a:endParaRPr lang="en-US" altLang="ko-KR" dirty="0"/>
-          </a:p>
-          <a:p>
-            <a:r>
-              <a:rPr lang="ko-KR" altLang="en-US" dirty="0" smtClean="0"/>
-              <a:t>메일은 도착한 순서대로 나타나며 </a:t>
-            </a:r>
-            <a:endParaRPr lang="en-US" altLang="ko-KR" dirty="0" smtClean="0"/>
-          </a:p>
-          <a:p>
-            <a:r>
-              <a:rPr lang="ko-KR" altLang="en-US" dirty="0" smtClean="0"/>
-              <a:t>상단에 있는 내용이 가장 최근 것이다</a:t>
-            </a:r>
-            <a:r>
-              <a:rPr lang="en-US" altLang="ko-KR" dirty="0" smtClean="0"/>
-              <a:t>.</a:t>
-            </a:r>
-          </a:p>
-          <a:p>
-            <a:endParaRPr lang="en-US" altLang="ko-KR" dirty="0"/>
-          </a:p>
-          <a:p>
-            <a:r>
-              <a:rPr lang="ko-KR" altLang="en-US" dirty="0" smtClean="0"/>
-              <a:t>리스트 뷰로 구현한다</a:t>
-            </a:r>
-            <a:r>
-              <a:rPr lang="en-US" altLang="ko-KR" dirty="0" smtClean="0"/>
-              <a:t>.</a:t>
-            </a:r>
-            <a:endParaRPr lang="ko-KR" altLang="en-US" dirty="0"/>
           </a:p>
         </p:txBody>
       </p:sp>
     </p:spTree>
     <p:extLst>
       <p:ext uri="{BB962C8B-B14F-4D97-AF65-F5344CB8AC3E}">
-        <p14:creationId xmlns:p14="http://schemas.microsoft.com/office/powerpoint/2010/main" val="3562580214"/>
+        <p14:creationId xmlns:p14="http://schemas.microsoft.com/office/powerpoint/2010/main" val="1748850331"/>
       </p:ext>
     </p:extLst>
   </p:cSld>
@@ -5240,8 +5237,8 @@
         </p:nvSpPr>
         <p:spPr>
           <a:xfrm>
-            <a:off x="4797180" y="2060848"/>
-            <a:ext cx="4025461" cy="1754326"/>
+            <a:off x="4987486" y="1962706"/>
+            <a:ext cx="3560847" cy="2585323"/>
           </a:xfrm>
           <a:prstGeom prst="rect">
             <a:avLst/>
@@ -5256,26 +5253,29 @@
           <a:p>
             <a:r>
               <a:rPr lang="ko-KR" altLang="en-US" dirty="0" smtClean="0"/>
-              <a:t>버튼을 누르면 </a:t>
+              <a:t>버튼을 누르고 말을 하면 </a:t>
             </a:r>
             <a:endParaRPr lang="en-US" altLang="ko-KR" dirty="0" smtClean="0"/>
           </a:p>
           <a:p>
             <a:r>
-              <a:rPr lang="ko-KR" altLang="en-US" dirty="0" err="1" smtClean="0"/>
-              <a:t>랜덤한</a:t>
-            </a:r>
-            <a:r>
               <a:rPr lang="ko-KR" altLang="en-US" dirty="0" smtClean="0"/>
-              <a:t> </a:t>
-            </a:r>
-            <a:r>
-              <a:rPr lang="ko-KR" altLang="en-US" dirty="0" err="1" smtClean="0"/>
-              <a:t>숫자값이</a:t>
+              <a:t>사람이 한 말을 인식하고 </a:t>
+            </a:r>
+            <a:r>
+              <a:rPr lang="en-US" altLang="ko-KR" dirty="0" smtClean="0"/>
+              <a:t>TEXT</a:t>
             </a:r>
             <a:r>
               <a:rPr lang="ko-KR" altLang="en-US" dirty="0" smtClean="0"/>
-              <a:t> 보내진다</a:t>
+              <a:t>로</a:t>
+            </a:r>
+            <a:endParaRPr lang="en-US" altLang="ko-KR" dirty="0" smtClean="0"/>
+          </a:p>
+          <a:p>
+            <a:r>
+              <a:rPr lang="ko-KR" altLang="en-US" dirty="0" smtClean="0"/>
+              <a:t>보여줍니다</a:t>
             </a:r>
             <a:r>
               <a:rPr lang="en-US" altLang="ko-KR" dirty="0" smtClean="0"/>
@@ -5283,9 +5283,23 @@
             </a:r>
           </a:p>
           <a:p>
+            <a:endParaRPr lang="en-US" altLang="ko-KR" dirty="0"/>
+          </a:p>
+          <a:p>
+            <a:r>
+              <a:rPr lang="en-US" altLang="ko-KR" dirty="0" smtClean="0"/>
+              <a:t>REST </a:t>
+            </a:r>
             <a:r>
               <a:rPr lang="ko-KR" altLang="en-US" dirty="0" smtClean="0"/>
-              <a:t>그리고 바로 메인 화면으로 돌아온다</a:t>
+              <a:t>인터페이스를 사용하여 </a:t>
+            </a:r>
+            <a:endParaRPr lang="en-US" altLang="ko-KR" dirty="0" smtClean="0"/>
+          </a:p>
+          <a:p>
+            <a:r>
+              <a:rPr lang="ko-KR" altLang="en-US" dirty="0" smtClean="0"/>
+              <a:t>작동합니다</a:t>
             </a:r>
             <a:r>
               <a:rPr lang="en-US" altLang="ko-KR" dirty="0" smtClean="0"/>
@@ -5298,34 +5312,27 @@
           <a:p>
             <a:r>
               <a:rPr lang="ko-KR" altLang="en-US" dirty="0" smtClean="0"/>
-              <a:t>숫자는 </a:t>
-            </a:r>
-            <a:r>
-              <a:rPr lang="ko-KR" altLang="en-US" dirty="0" err="1" smtClean="0"/>
-              <a:t>인텐트로</a:t>
-            </a:r>
+              <a:t>인식된 결과는 리스트 뷰 형태로</a:t>
+            </a:r>
+            <a:endParaRPr lang="en-US" altLang="ko-KR" dirty="0" smtClean="0"/>
+          </a:p>
+          <a:p>
             <a:r>
               <a:rPr lang="ko-KR" altLang="en-US" dirty="0" smtClean="0"/>
-              <a:t> 메인 화면에서</a:t>
+              <a:t>보여집니다</a:t>
+            </a:r>
+            <a:r>
+              <a:rPr lang="en-US" altLang="ko-KR" smtClean="0"/>
+              <a:t>.</a:t>
             </a:r>
             <a:endParaRPr lang="en-US" altLang="ko-KR" dirty="0" smtClean="0"/>
-          </a:p>
-          <a:p>
-            <a:r>
-              <a:rPr lang="ko-KR" altLang="en-US" dirty="0" smtClean="0"/>
-              <a:t>토스트 메시지를 출력하게 한다</a:t>
-            </a:r>
-            <a:r>
-              <a:rPr lang="en-US" altLang="ko-KR" dirty="0" smtClean="0"/>
-              <a:t>.</a:t>
-            </a:r>
           </a:p>
         </p:txBody>
       </p:sp>
     </p:spTree>
     <p:extLst>
       <p:ext uri="{BB962C8B-B14F-4D97-AF65-F5344CB8AC3E}">
-        <p14:creationId xmlns:p14="http://schemas.microsoft.com/office/powerpoint/2010/main" val="1748850331"/>
+        <p14:creationId xmlns:p14="http://schemas.microsoft.com/office/powerpoint/2010/main" val="3426805318"/>
       </p:ext>
     </p:extLst>
   </p:cSld>

--- a/기획 발표.pptx
+++ b/기획 발표.pptx
@@ -309,7 +309,7 @@
           <a:p>
             <a:fld id="{BEA0ED70-DD39-4C6F-94A6-DFEF1955D24C}" type="datetimeFigureOut">
               <a:rPr lang="ko-KR" altLang="en-US" smtClean="0"/>
-              <a:t>2018-05-03</a:t>
+              <a:t>2018-05-10</a:t>
             </a:fld>
             <a:endParaRPr lang="ko-KR" altLang="en-US"/>
           </a:p>
@@ -479,7 +479,7 @@
           <a:p>
             <a:fld id="{BEA0ED70-DD39-4C6F-94A6-DFEF1955D24C}" type="datetimeFigureOut">
               <a:rPr lang="ko-KR" altLang="en-US" smtClean="0"/>
-              <a:t>2018-05-03</a:t>
+              <a:t>2018-05-10</a:t>
             </a:fld>
             <a:endParaRPr lang="ko-KR" altLang="en-US"/>
           </a:p>
@@ -659,7 +659,7 @@
           <a:p>
             <a:fld id="{BEA0ED70-DD39-4C6F-94A6-DFEF1955D24C}" type="datetimeFigureOut">
               <a:rPr lang="ko-KR" altLang="en-US" smtClean="0"/>
-              <a:t>2018-05-03</a:t>
+              <a:t>2018-05-10</a:t>
             </a:fld>
             <a:endParaRPr lang="ko-KR" altLang="en-US"/>
           </a:p>
@@ -829,7 +829,7 @@
           <a:p>
             <a:fld id="{BEA0ED70-DD39-4C6F-94A6-DFEF1955D24C}" type="datetimeFigureOut">
               <a:rPr lang="ko-KR" altLang="en-US" smtClean="0"/>
-              <a:t>2018-05-03</a:t>
+              <a:t>2018-05-10</a:t>
             </a:fld>
             <a:endParaRPr lang="ko-KR" altLang="en-US"/>
           </a:p>
@@ -1075,7 +1075,7 @@
           <a:p>
             <a:fld id="{BEA0ED70-DD39-4C6F-94A6-DFEF1955D24C}" type="datetimeFigureOut">
               <a:rPr lang="ko-KR" altLang="en-US" smtClean="0"/>
-              <a:t>2018-05-03</a:t>
+              <a:t>2018-05-10</a:t>
             </a:fld>
             <a:endParaRPr lang="ko-KR" altLang="en-US"/>
           </a:p>
@@ -1363,7 +1363,7 @@
           <a:p>
             <a:fld id="{BEA0ED70-DD39-4C6F-94A6-DFEF1955D24C}" type="datetimeFigureOut">
               <a:rPr lang="ko-KR" altLang="en-US" smtClean="0"/>
-              <a:t>2018-05-03</a:t>
+              <a:t>2018-05-10</a:t>
             </a:fld>
             <a:endParaRPr lang="ko-KR" altLang="en-US"/>
           </a:p>
@@ -1785,7 +1785,7 @@
           <a:p>
             <a:fld id="{BEA0ED70-DD39-4C6F-94A6-DFEF1955D24C}" type="datetimeFigureOut">
               <a:rPr lang="ko-KR" altLang="en-US" smtClean="0"/>
-              <a:t>2018-05-03</a:t>
+              <a:t>2018-05-10</a:t>
             </a:fld>
             <a:endParaRPr lang="ko-KR" altLang="en-US"/>
           </a:p>
@@ -1903,7 +1903,7 @@
           <a:p>
             <a:fld id="{BEA0ED70-DD39-4C6F-94A6-DFEF1955D24C}" type="datetimeFigureOut">
               <a:rPr lang="ko-KR" altLang="en-US" smtClean="0"/>
-              <a:t>2018-05-03</a:t>
+              <a:t>2018-05-10</a:t>
             </a:fld>
             <a:endParaRPr lang="ko-KR" altLang="en-US"/>
           </a:p>
@@ -1998,7 +1998,7 @@
           <a:p>
             <a:fld id="{BEA0ED70-DD39-4C6F-94A6-DFEF1955D24C}" type="datetimeFigureOut">
               <a:rPr lang="ko-KR" altLang="en-US" smtClean="0"/>
-              <a:t>2018-05-03</a:t>
+              <a:t>2018-05-10</a:t>
             </a:fld>
             <a:endParaRPr lang="ko-KR" altLang="en-US"/>
           </a:p>
@@ -2275,7 +2275,7 @@
           <a:p>
             <a:fld id="{BEA0ED70-DD39-4C6F-94A6-DFEF1955D24C}" type="datetimeFigureOut">
               <a:rPr lang="ko-KR" altLang="en-US" smtClean="0"/>
-              <a:t>2018-05-03</a:t>
+              <a:t>2018-05-10</a:t>
             </a:fld>
             <a:endParaRPr lang="ko-KR" altLang="en-US"/>
           </a:p>
@@ -2528,7 +2528,7 @@
           <a:p>
             <a:fld id="{BEA0ED70-DD39-4C6F-94A6-DFEF1955D24C}" type="datetimeFigureOut">
               <a:rPr lang="ko-KR" altLang="en-US" smtClean="0"/>
-              <a:t>2018-05-03</a:t>
+              <a:t>2018-05-10</a:t>
             </a:fld>
             <a:endParaRPr lang="ko-KR" altLang="en-US"/>
           </a:p>
@@ -2741,7 +2741,7 @@
           <a:p>
             <a:fld id="{BEA0ED70-DD39-4C6F-94A6-DFEF1955D24C}" type="datetimeFigureOut">
               <a:rPr lang="ko-KR" altLang="en-US" smtClean="0"/>
-              <a:t>2018-05-03</a:t>
+              <a:t>2018-05-10</a:t>
             </a:fld>
             <a:endParaRPr lang="ko-KR" altLang="en-US"/>
           </a:p>
@@ -4143,7 +4143,7 @@
         <p:spPr>
           <a:xfrm>
             <a:off x="4788024" y="2348880"/>
-            <a:ext cx="4256293" cy="3970318"/>
+            <a:ext cx="4256293" cy="3139321"/>
           </a:xfrm>
           <a:prstGeom prst="rect">
             <a:avLst/>
@@ -4224,33 +4224,12 @@
           <a:p>
             <a:r>
               <a:rPr lang="ko-KR" altLang="en-US" dirty="0" smtClean="0"/>
-              <a:t>흰색 공을 길게 누르면 </a:t>
-            </a:r>
-            <a:endParaRPr lang="en-US" altLang="ko-KR" dirty="0" smtClean="0"/>
-          </a:p>
-          <a:p>
-            <a:r>
-              <a:rPr lang="ko-KR" altLang="en-US" dirty="0" smtClean="0"/>
-              <a:t>설명 페이지로 이동한다</a:t>
+              <a:t>가운데 상자는 스크롤 뷰로 구현한다</a:t>
             </a:r>
             <a:r>
               <a:rPr lang="en-US" altLang="ko-KR" dirty="0" smtClean="0"/>
               <a:t>.</a:t>
             </a:r>
-          </a:p>
-          <a:p>
-            <a:endParaRPr lang="en-US" altLang="ko-KR" dirty="0"/>
-          </a:p>
-          <a:p>
-            <a:r>
-              <a:rPr lang="ko-KR" altLang="en-US" dirty="0" smtClean="0"/>
-              <a:t>가운데 상자는 스크롤 뷰로 구현한다</a:t>
-            </a:r>
-            <a:r>
-              <a:rPr lang="en-US" altLang="ko-KR" dirty="0" smtClean="0"/>
-              <a:t>.</a:t>
-            </a:r>
-            <a:endParaRPr lang="en-US" altLang="ko-KR" dirty="0" smtClean="0"/>
           </a:p>
         </p:txBody>
       </p:sp>
@@ -4846,7 +4825,7 @@
         </p:blipFill>
         <p:spPr>
           <a:xfrm>
-            <a:off x="1451062" y="3236683"/>
+            <a:off x="1451062" y="3429000"/>
             <a:ext cx="1921396" cy="960698"/>
           </a:xfrm>
           <a:prstGeom prst="rect">
@@ -4863,7 +4842,7 @@
         <p:spPr>
           <a:xfrm>
             <a:off x="4797180" y="2060848"/>
-            <a:ext cx="4025461" cy="1754326"/>
+            <a:ext cx="3712876" cy="2031325"/>
           </a:xfrm>
           <a:prstGeom prst="rect">
             <a:avLst/>
@@ -4905,9 +4884,12 @@
             </a:r>
           </a:p>
           <a:p>
+            <a:endParaRPr lang="en-US" altLang="ko-KR" dirty="0"/>
+          </a:p>
+          <a:p>
             <a:r>
               <a:rPr lang="ko-KR" altLang="en-US" dirty="0" smtClean="0"/>
-              <a:t>그리고 바로 메인 화면으로 돌아온다</a:t>
+              <a:t>토스트 메시지로 숫자가 나옵니다</a:t>
             </a:r>
             <a:r>
               <a:rPr lang="en-US" altLang="ko-KR" dirty="0" smtClean="0"/>
@@ -4920,27 +4902,20 @@
           <a:p>
             <a:r>
               <a:rPr lang="ko-KR" altLang="en-US" dirty="0" smtClean="0"/>
-              <a:t>숫자는 </a:t>
-            </a:r>
-            <a:r>
-              <a:rPr lang="ko-KR" altLang="en-US" dirty="0" err="1" smtClean="0"/>
-              <a:t>인텐트로</a:t>
-            </a:r>
+              <a:t>길게 누르면 메인 화면으로</a:t>
+            </a:r>
+            <a:endParaRPr lang="en-US" altLang="ko-KR" dirty="0" smtClean="0"/>
+          </a:p>
+          <a:p>
             <a:r>
               <a:rPr lang="ko-KR" altLang="en-US" dirty="0" smtClean="0"/>
-              <a:t> 메인 화면에서</a:t>
-            </a:r>
-            <a:endParaRPr lang="en-US" altLang="ko-KR" dirty="0" smtClean="0"/>
-          </a:p>
-          <a:p>
-            <a:r>
-              <a:rPr lang="ko-KR" altLang="en-US" dirty="0" smtClean="0"/>
-              <a:t>토스트 메시지를 출력하게 한다</a:t>
+              <a:t>돌아가 집니다</a:t>
             </a:r>
             <a:r>
               <a:rPr lang="en-US" altLang="ko-KR" dirty="0" smtClean="0"/>
               <a:t>.</a:t>
             </a:r>
+            <a:endParaRPr lang="en-US" altLang="ko-KR" dirty="0" smtClean="0"/>
           </a:p>
         </p:txBody>
       </p:sp>
@@ -5238,7 +5213,7 @@
         <p:spPr>
           <a:xfrm>
             <a:off x="4987486" y="1962706"/>
-            <a:ext cx="3560847" cy="2585323"/>
+            <a:ext cx="3974165" cy="2308324"/>
           </a:xfrm>
           <a:prstGeom prst="rect">
             <a:avLst/>
@@ -5253,15 +5228,19 @@
           <a:p>
             <a:r>
               <a:rPr lang="ko-KR" altLang="en-US" dirty="0" smtClean="0"/>
-              <a:t>버튼을 누르고 말을 하면 </a:t>
+              <a:t>버튼을 누르고 </a:t>
+            </a:r>
+            <a:r>
+              <a:rPr lang="ko-KR" altLang="en-US" dirty="0" smtClean="0"/>
+              <a:t>영어를 </a:t>
+            </a:r>
+            <a:r>
+              <a:rPr lang="ko-KR" altLang="en-US" dirty="0" smtClean="0"/>
+              <a:t>인식하고 한글</a:t>
             </a:r>
             <a:endParaRPr lang="en-US" altLang="ko-KR" dirty="0" smtClean="0"/>
           </a:p>
           <a:p>
-            <a:r>
-              <a:rPr lang="ko-KR" altLang="en-US" dirty="0" smtClean="0"/>
-              <a:t>사람이 한 말을 인식하고 </a:t>
-            </a:r>
             <a:r>
               <a:rPr lang="en-US" altLang="ko-KR" dirty="0" smtClean="0"/>
               <a:t>TEXT</a:t>
@@ -5270,9 +5249,10 @@
               <a:rPr lang="ko-KR" altLang="en-US" dirty="0" smtClean="0"/>
               <a:t>로</a:t>
             </a:r>
-            <a:endParaRPr lang="en-US" altLang="ko-KR" dirty="0" smtClean="0"/>
-          </a:p>
-          <a:p>
+            <a:r>
+              <a:rPr lang="en-US" altLang="ko-KR" dirty="0"/>
+              <a:t> </a:t>
+            </a:r>
             <a:r>
               <a:rPr lang="ko-KR" altLang="en-US" dirty="0" smtClean="0"/>
               <a:t>보여줍니다</a:t>
@@ -5312,17 +5292,17 @@
           <a:p>
             <a:r>
               <a:rPr lang="ko-KR" altLang="en-US" dirty="0" smtClean="0"/>
-              <a:t>인식된 결과는 리스트 뷰 형태로</a:t>
+              <a:t>리스트 뷰로 지금까지 </a:t>
             </a:r>
             <a:endParaRPr lang="en-US" altLang="ko-KR" dirty="0" smtClean="0"/>
           </a:p>
           <a:p>
             <a:r>
               <a:rPr lang="ko-KR" altLang="en-US" dirty="0" smtClean="0"/>
-              <a:t>보여집니다</a:t>
-            </a:r>
-            <a:r>
-              <a:rPr lang="en-US" altLang="ko-KR" smtClean="0"/>
+              <a:t>결과를 보여줍니다</a:t>
+            </a:r>
+            <a:r>
+              <a:rPr lang="en-US" altLang="ko-KR" dirty="0" smtClean="0"/>
               <a:t>.</a:t>
             </a:r>
             <a:endParaRPr lang="en-US" altLang="ko-KR" dirty="0" smtClean="0"/>
